--- a/Tex/Tmatrix/Figures/Graphics.pptx
+++ b/Tex/Tmatrix/Figures/Graphics.pptx
@@ -6,6 +6,7 @@
   </p:sldMasterIdLst>
   <p:sldIdLst>
     <p:sldId id="256" r:id="rId2"/>
+    <p:sldId id="257" r:id="rId3"/>
   </p:sldIdLst>
   <p:sldSz cx="12192000" cy="6858000"/>
   <p:notesSz cx="6858000" cy="9144000"/>
@@ -104,6 +105,11 @@
       </a:defRPr>
     </a:lvl9pPr>
   </p:defaultTextStyle>
+  <p:extLst>
+    <p:ext uri="{EFAFB233-063F-42B5-8137-9DF3F51BA10A}">
+      <p15:sldGuideLst xmlns:p15="http://schemas.microsoft.com/office/powerpoint/2012/main"/>
+    </p:ext>
+  </p:extLst>
 </p:presentation>
 </file>
 
@@ -254,7 +260,7 @@
           <a:p>
             <a:fld id="{42476603-8E34-9944-B6A2-D74DA59204AB}" type="datetimeFigureOut">
               <a:rPr lang="en-US" smtClean="0"/>
-              <a:t>7/19/21</a:t>
+              <a:t>10/4/21</a:t>
             </a:fld>
             <a:endParaRPr lang="en-US"/>
           </a:p>
@@ -452,7 +458,7 @@
           <a:p>
             <a:fld id="{42476603-8E34-9944-B6A2-D74DA59204AB}" type="datetimeFigureOut">
               <a:rPr lang="en-US" smtClean="0"/>
-              <a:t>7/19/21</a:t>
+              <a:t>10/4/21</a:t>
             </a:fld>
             <a:endParaRPr lang="en-US"/>
           </a:p>
@@ -660,7 +666,7 @@
           <a:p>
             <a:fld id="{42476603-8E34-9944-B6A2-D74DA59204AB}" type="datetimeFigureOut">
               <a:rPr lang="en-US" smtClean="0"/>
-              <a:t>7/19/21</a:t>
+              <a:t>10/4/21</a:t>
             </a:fld>
             <a:endParaRPr lang="en-US"/>
           </a:p>
@@ -858,7 +864,7 @@
           <a:p>
             <a:fld id="{42476603-8E34-9944-B6A2-D74DA59204AB}" type="datetimeFigureOut">
               <a:rPr lang="en-US" smtClean="0"/>
-              <a:t>7/19/21</a:t>
+              <a:t>10/4/21</a:t>
             </a:fld>
             <a:endParaRPr lang="en-US"/>
           </a:p>
@@ -1133,7 +1139,7 @@
           <a:p>
             <a:fld id="{42476603-8E34-9944-B6A2-D74DA59204AB}" type="datetimeFigureOut">
               <a:rPr lang="en-US" smtClean="0"/>
-              <a:t>7/19/21</a:t>
+              <a:t>10/4/21</a:t>
             </a:fld>
             <a:endParaRPr lang="en-US"/>
           </a:p>
@@ -1398,7 +1404,7 @@
           <a:p>
             <a:fld id="{42476603-8E34-9944-B6A2-D74DA59204AB}" type="datetimeFigureOut">
               <a:rPr lang="en-US" smtClean="0"/>
-              <a:t>7/19/21</a:t>
+              <a:t>10/4/21</a:t>
             </a:fld>
             <a:endParaRPr lang="en-US"/>
           </a:p>
@@ -1810,7 +1816,7 @@
           <a:p>
             <a:fld id="{42476603-8E34-9944-B6A2-D74DA59204AB}" type="datetimeFigureOut">
               <a:rPr lang="en-US" smtClean="0"/>
-              <a:t>7/19/21</a:t>
+              <a:t>10/4/21</a:t>
             </a:fld>
             <a:endParaRPr lang="en-US"/>
           </a:p>
@@ -1951,7 +1957,7 @@
           <a:p>
             <a:fld id="{42476603-8E34-9944-B6A2-D74DA59204AB}" type="datetimeFigureOut">
               <a:rPr lang="en-US" smtClean="0"/>
-              <a:t>7/19/21</a:t>
+              <a:t>10/4/21</a:t>
             </a:fld>
             <a:endParaRPr lang="en-US"/>
           </a:p>
@@ -2064,7 +2070,7 @@
           <a:p>
             <a:fld id="{42476603-8E34-9944-B6A2-D74DA59204AB}" type="datetimeFigureOut">
               <a:rPr lang="en-US" smtClean="0"/>
-              <a:t>7/19/21</a:t>
+              <a:t>10/4/21</a:t>
             </a:fld>
             <a:endParaRPr lang="en-US"/>
           </a:p>
@@ -2375,7 +2381,7 @@
           <a:p>
             <a:fld id="{42476603-8E34-9944-B6A2-D74DA59204AB}" type="datetimeFigureOut">
               <a:rPr lang="en-US" smtClean="0"/>
-              <a:t>7/19/21</a:t>
+              <a:t>10/4/21</a:t>
             </a:fld>
             <a:endParaRPr lang="en-US"/>
           </a:p>
@@ -2663,7 +2669,7 @@
           <a:p>
             <a:fld id="{42476603-8E34-9944-B6A2-D74DA59204AB}" type="datetimeFigureOut">
               <a:rPr lang="en-US" smtClean="0"/>
-              <a:t>7/19/21</a:t>
+              <a:t>10/4/21</a:t>
             </a:fld>
             <a:endParaRPr lang="en-US"/>
           </a:p>
@@ -2904,7 +2910,7 @@
           <a:p>
             <a:fld id="{42476603-8E34-9944-B6A2-D74DA59204AB}" type="datetimeFigureOut">
               <a:rPr lang="en-US" smtClean="0"/>
-              <a:t>7/19/21</a:t>
+              <a:t>10/4/21</a:t>
             </a:fld>
             <a:endParaRPr lang="en-US"/>
           </a:p>
@@ -4518,6 +4524,1682 @@
 </p:sld>
 </file>
 
+<file path=ppt/slides/slide2.xml><?xml version="1.0" encoding="utf-8"?>
+<p:sld xmlns:a="http://schemas.openxmlformats.org/drawingml/2006/main" xmlns:r="http://schemas.openxmlformats.org/officeDocument/2006/relationships" xmlns:p="http://schemas.openxmlformats.org/presentationml/2006/main">
+  <p:cSld>
+    <p:spTree>
+      <p:nvGrpSpPr>
+        <p:cNvPr id="1" name=""/>
+        <p:cNvGrpSpPr/>
+        <p:nvPr/>
+      </p:nvGrpSpPr>
+      <p:grpSpPr>
+        <a:xfrm>
+          <a:off x="0" y="0"/>
+          <a:ext cx="0" cy="0"/>
+          <a:chOff x="0" y="0"/>
+          <a:chExt cx="0" cy="0"/>
+        </a:xfrm>
+      </p:grpSpPr>
+      <p:grpSp>
+        <p:nvGrpSpPr>
+          <p:cNvPr id="143" name="Group 142">
+            <a:extLst>
+              <a:ext uri="{FF2B5EF4-FFF2-40B4-BE49-F238E27FC236}">
+                <a16:creationId xmlns:a16="http://schemas.microsoft.com/office/drawing/2014/main" id="{0814A942-057F-8A42-BCB6-4E39D15BCCA3}"/>
+              </a:ext>
+            </a:extLst>
+          </p:cNvPr>
+          <p:cNvGrpSpPr/>
+          <p:nvPr/>
+        </p:nvGrpSpPr>
+        <p:grpSpPr>
+          <a:xfrm>
+            <a:off x="854356" y="2316160"/>
+            <a:ext cx="3704265" cy="2919285"/>
+            <a:chOff x="854356" y="2316160"/>
+            <a:chExt cx="3704265" cy="2919285"/>
+          </a:xfrm>
+        </p:grpSpPr>
+        <p:sp>
+          <p:nvSpPr>
+            <p:cNvPr id="60" name="Can 59">
+              <a:extLst>
+                <a:ext uri="{FF2B5EF4-FFF2-40B4-BE49-F238E27FC236}">
+                  <a16:creationId xmlns:a16="http://schemas.microsoft.com/office/drawing/2014/main" id="{6714B6D0-BE76-3C43-8828-A2E1D0FC2F98}"/>
+                </a:ext>
+              </a:extLst>
+            </p:cNvPr>
+            <p:cNvSpPr/>
+            <p:nvPr/>
+          </p:nvSpPr>
+          <p:spPr>
+            <a:xfrm>
+              <a:off x="1525529" y="3992659"/>
+              <a:ext cx="318474" cy="442796"/>
+            </a:xfrm>
+            <a:prstGeom prst="can">
+              <a:avLst/>
+            </a:prstGeom>
+            <a:ln>
+              <a:solidFill>
+                <a:schemeClr val="tx1"/>
+              </a:solidFill>
+            </a:ln>
+          </p:spPr>
+          <p:style>
+            <a:lnRef idx="2">
+              <a:schemeClr val="accent6"/>
+            </a:lnRef>
+            <a:fillRef idx="1">
+              <a:schemeClr val="lt1"/>
+            </a:fillRef>
+            <a:effectRef idx="0">
+              <a:schemeClr val="accent6"/>
+            </a:effectRef>
+            <a:fontRef idx="minor">
+              <a:schemeClr val="dk1"/>
+            </a:fontRef>
+          </p:style>
+          <p:txBody>
+            <a:bodyPr rtlCol="0" anchor="ctr"/>
+            <a:lstStyle/>
+            <a:p>
+              <a:pPr algn="ctr"/>
+              <a:endParaRPr lang="en-US"/>
+            </a:p>
+          </p:txBody>
+        </p:sp>
+        <p:cxnSp>
+          <p:nvCxnSpPr>
+            <p:cNvPr id="3" name="Straight Arrow Connector 2">
+              <a:extLst>
+                <a:ext uri="{FF2B5EF4-FFF2-40B4-BE49-F238E27FC236}">
+                  <a16:creationId xmlns:a16="http://schemas.microsoft.com/office/drawing/2014/main" id="{45C5F7A3-D874-9E46-BB1C-5DB00D30EB4E}"/>
+                </a:ext>
+              </a:extLst>
+            </p:cNvPr>
+            <p:cNvCxnSpPr>
+              <a:cxnSpLocks/>
+            </p:cNvCxnSpPr>
+            <p:nvPr/>
+          </p:nvCxnSpPr>
+          <p:spPr>
+            <a:xfrm flipH="1">
+              <a:off x="1019339" y="4281342"/>
+              <a:ext cx="650020" cy="568385"/>
+            </a:xfrm>
+            <a:prstGeom prst="straightConnector1">
+              <a:avLst/>
+            </a:prstGeom>
+            <a:ln>
+              <a:solidFill>
+                <a:schemeClr val="tx1"/>
+              </a:solidFill>
+              <a:tailEnd type="triangle"/>
+            </a:ln>
+          </p:spPr>
+          <p:style>
+            <a:lnRef idx="1">
+              <a:schemeClr val="accent1"/>
+            </a:lnRef>
+            <a:fillRef idx="0">
+              <a:schemeClr val="accent1"/>
+            </a:fillRef>
+            <a:effectRef idx="0">
+              <a:schemeClr val="accent1"/>
+            </a:effectRef>
+            <a:fontRef idx="minor">
+              <a:schemeClr val="tx1"/>
+            </a:fontRef>
+          </p:style>
+        </p:cxnSp>
+        <p:cxnSp>
+          <p:nvCxnSpPr>
+            <p:cNvPr id="20" name="Straight Arrow Connector 19">
+              <a:extLst>
+                <a:ext uri="{FF2B5EF4-FFF2-40B4-BE49-F238E27FC236}">
+                  <a16:creationId xmlns:a16="http://schemas.microsoft.com/office/drawing/2014/main" id="{E873F13D-3838-B04A-A28C-3BE013605298}"/>
+                </a:ext>
+              </a:extLst>
+            </p:cNvPr>
+            <p:cNvCxnSpPr>
+              <a:cxnSpLocks/>
+            </p:cNvCxnSpPr>
+            <p:nvPr/>
+          </p:nvCxnSpPr>
+          <p:spPr>
+            <a:xfrm>
+              <a:off x="1669355" y="4281342"/>
+              <a:ext cx="787659" cy="0"/>
+            </a:xfrm>
+            <a:prstGeom prst="straightConnector1">
+              <a:avLst/>
+            </a:prstGeom>
+            <a:ln>
+              <a:solidFill>
+                <a:schemeClr val="tx1"/>
+              </a:solidFill>
+              <a:tailEnd type="triangle"/>
+            </a:ln>
+          </p:spPr>
+          <p:style>
+            <a:lnRef idx="1">
+              <a:schemeClr val="accent1"/>
+            </a:lnRef>
+            <a:fillRef idx="0">
+              <a:schemeClr val="accent1"/>
+            </a:fillRef>
+            <a:effectRef idx="0">
+              <a:schemeClr val="accent1"/>
+            </a:effectRef>
+            <a:fontRef idx="minor">
+              <a:schemeClr val="tx1"/>
+            </a:fontRef>
+          </p:style>
+        </p:cxnSp>
+        <p:cxnSp>
+          <p:nvCxnSpPr>
+            <p:cNvPr id="27" name="Straight Arrow Connector 26">
+              <a:extLst>
+                <a:ext uri="{FF2B5EF4-FFF2-40B4-BE49-F238E27FC236}">
+                  <a16:creationId xmlns:a16="http://schemas.microsoft.com/office/drawing/2014/main" id="{3D46783C-9DF4-E843-B5E8-116205C8933D}"/>
+                </a:ext>
+              </a:extLst>
+            </p:cNvPr>
+            <p:cNvCxnSpPr>
+              <a:cxnSpLocks/>
+            </p:cNvCxnSpPr>
+            <p:nvPr/>
+          </p:nvCxnSpPr>
+          <p:spPr>
+            <a:xfrm flipV="1">
+              <a:off x="1669355" y="3050244"/>
+              <a:ext cx="4261" cy="1231099"/>
+            </a:xfrm>
+            <a:prstGeom prst="straightConnector1">
+              <a:avLst/>
+            </a:prstGeom>
+            <a:ln>
+              <a:solidFill>
+                <a:schemeClr val="tx1"/>
+              </a:solidFill>
+              <a:tailEnd type="triangle"/>
+            </a:ln>
+          </p:spPr>
+          <p:style>
+            <a:lnRef idx="1">
+              <a:schemeClr val="accent1"/>
+            </a:lnRef>
+            <a:fillRef idx="0">
+              <a:schemeClr val="accent1"/>
+            </a:fillRef>
+            <a:effectRef idx="0">
+              <a:schemeClr val="accent1"/>
+            </a:effectRef>
+            <a:fontRef idx="minor">
+              <a:schemeClr val="tx1"/>
+            </a:fontRef>
+          </p:style>
+        </p:cxnSp>
+        <p:cxnSp>
+          <p:nvCxnSpPr>
+            <p:cNvPr id="31" name="Straight Arrow Connector 30">
+              <a:extLst>
+                <a:ext uri="{FF2B5EF4-FFF2-40B4-BE49-F238E27FC236}">
+                  <a16:creationId xmlns:a16="http://schemas.microsoft.com/office/drawing/2014/main" id="{7F4405AB-3AC4-0A40-88E9-85461940798D}"/>
+                </a:ext>
+              </a:extLst>
+            </p:cNvPr>
+            <p:cNvCxnSpPr>
+              <a:cxnSpLocks/>
+            </p:cNvCxnSpPr>
+            <p:nvPr/>
+          </p:nvCxnSpPr>
+          <p:spPr>
+            <a:xfrm flipV="1">
+              <a:off x="1669355" y="3283788"/>
+              <a:ext cx="1422750" cy="997555"/>
+            </a:xfrm>
+            <a:prstGeom prst="straightConnector1">
+              <a:avLst/>
+            </a:prstGeom>
+            <a:ln>
+              <a:solidFill>
+                <a:schemeClr val="tx1"/>
+              </a:solidFill>
+              <a:tailEnd type="triangle"/>
+            </a:ln>
+          </p:spPr>
+          <p:style>
+            <a:lnRef idx="1">
+              <a:schemeClr val="accent1"/>
+            </a:lnRef>
+            <a:fillRef idx="0">
+              <a:schemeClr val="accent1"/>
+            </a:fillRef>
+            <a:effectRef idx="0">
+              <a:schemeClr val="accent1"/>
+            </a:effectRef>
+            <a:fontRef idx="minor">
+              <a:schemeClr val="tx1"/>
+            </a:fontRef>
+          </p:style>
+        </p:cxnSp>
+        <p:cxnSp>
+          <p:nvCxnSpPr>
+            <p:cNvPr id="34" name="Straight Connector 33">
+              <a:extLst>
+                <a:ext uri="{FF2B5EF4-FFF2-40B4-BE49-F238E27FC236}">
+                  <a16:creationId xmlns:a16="http://schemas.microsoft.com/office/drawing/2014/main" id="{A97E232E-57A3-8649-A942-7F5A36AEE228}"/>
+                </a:ext>
+              </a:extLst>
+            </p:cNvPr>
+            <p:cNvCxnSpPr>
+              <a:cxnSpLocks/>
+            </p:cNvCxnSpPr>
+            <p:nvPr/>
+          </p:nvCxnSpPr>
+          <p:spPr>
+            <a:xfrm>
+              <a:off x="3085907" y="3293987"/>
+              <a:ext cx="6198" cy="1941458"/>
+            </a:xfrm>
+            <a:prstGeom prst="line">
+              <a:avLst/>
+            </a:prstGeom>
+            <a:ln>
+              <a:solidFill>
+                <a:schemeClr val="tx1"/>
+              </a:solidFill>
+              <a:prstDash val="dash"/>
+            </a:ln>
+          </p:spPr>
+          <p:style>
+            <a:lnRef idx="1">
+              <a:schemeClr val="accent1"/>
+            </a:lnRef>
+            <a:fillRef idx="0">
+              <a:schemeClr val="accent1"/>
+            </a:fillRef>
+            <a:effectRef idx="0">
+              <a:schemeClr val="accent1"/>
+            </a:effectRef>
+            <a:fontRef idx="minor">
+              <a:schemeClr val="tx1"/>
+            </a:fontRef>
+          </p:style>
+        </p:cxnSp>
+        <p:cxnSp>
+          <p:nvCxnSpPr>
+            <p:cNvPr id="35" name="Straight Connector 34">
+              <a:extLst>
+                <a:ext uri="{FF2B5EF4-FFF2-40B4-BE49-F238E27FC236}">
+                  <a16:creationId xmlns:a16="http://schemas.microsoft.com/office/drawing/2014/main" id="{E986B3E8-4191-CE44-935C-96C95445BCA8}"/>
+                </a:ext>
+              </a:extLst>
+            </p:cNvPr>
+            <p:cNvCxnSpPr>
+              <a:cxnSpLocks/>
+            </p:cNvCxnSpPr>
+            <p:nvPr/>
+          </p:nvCxnSpPr>
+          <p:spPr>
+            <a:xfrm flipH="1" flipV="1">
+              <a:off x="1669357" y="4281345"/>
+              <a:ext cx="1424359" cy="948468"/>
+            </a:xfrm>
+            <a:prstGeom prst="line">
+              <a:avLst/>
+            </a:prstGeom>
+            <a:ln>
+              <a:solidFill>
+                <a:schemeClr val="tx1"/>
+              </a:solidFill>
+              <a:prstDash val="dash"/>
+            </a:ln>
+          </p:spPr>
+          <p:style>
+            <a:lnRef idx="1">
+              <a:schemeClr val="accent1"/>
+            </a:lnRef>
+            <a:fillRef idx="0">
+              <a:schemeClr val="accent1"/>
+            </a:fillRef>
+            <a:effectRef idx="0">
+              <a:schemeClr val="accent1"/>
+            </a:effectRef>
+            <a:fontRef idx="minor">
+              <a:schemeClr val="tx1"/>
+            </a:fontRef>
+          </p:style>
+        </p:cxnSp>
+        <p:sp>
+          <p:nvSpPr>
+            <p:cNvPr id="44" name="Freeform 43">
+              <a:extLst>
+                <a:ext uri="{FF2B5EF4-FFF2-40B4-BE49-F238E27FC236}">
+                  <a16:creationId xmlns:a16="http://schemas.microsoft.com/office/drawing/2014/main" id="{F8B7AD06-35B5-5C47-A0F5-279F984B6FF0}"/>
+                </a:ext>
+              </a:extLst>
+            </p:cNvPr>
+            <p:cNvSpPr/>
+            <p:nvPr/>
+          </p:nvSpPr>
+          <p:spPr>
+            <a:xfrm>
+              <a:off x="1314891" y="4509257"/>
+              <a:ext cx="683214" cy="160506"/>
+            </a:xfrm>
+            <a:custGeom>
+              <a:avLst/>
+              <a:gdLst>
+                <a:gd name="connsiteX0" fmla="*/ 0 w 482885"/>
+                <a:gd name="connsiteY0" fmla="*/ 51371 h 74469"/>
+                <a:gd name="connsiteX1" fmla="*/ 287676 w 482885"/>
+                <a:gd name="connsiteY1" fmla="*/ 71919 h 74469"/>
+                <a:gd name="connsiteX2" fmla="*/ 482885 w 482885"/>
+                <a:gd name="connsiteY2" fmla="*/ 0 h 74469"/>
+              </a:gdLst>
+              <a:ahLst/>
+              <a:cxnLst>
+                <a:cxn ang="0">
+                  <a:pos x="connsiteX0" y="connsiteY0"/>
+                </a:cxn>
+                <a:cxn ang="0">
+                  <a:pos x="connsiteX1" y="connsiteY1"/>
+                </a:cxn>
+                <a:cxn ang="0">
+                  <a:pos x="connsiteX2" y="connsiteY2"/>
+                </a:cxn>
+              </a:cxnLst>
+              <a:rect l="l" t="t" r="r" b="b"/>
+              <a:pathLst>
+                <a:path w="482885" h="74469">
+                  <a:moveTo>
+                    <a:pt x="0" y="51371"/>
+                  </a:moveTo>
+                  <a:cubicBezTo>
+                    <a:pt x="103597" y="65926"/>
+                    <a:pt x="207195" y="80481"/>
+                    <a:pt x="287676" y="71919"/>
+                  </a:cubicBezTo>
+                  <a:cubicBezTo>
+                    <a:pt x="368157" y="63357"/>
+                    <a:pt x="425521" y="31678"/>
+                    <a:pt x="482885" y="0"/>
+                  </a:cubicBezTo>
+                </a:path>
+              </a:pathLst>
+            </a:custGeom>
+            <a:noFill/>
+            <a:ln w="9525">
+              <a:solidFill>
+                <a:schemeClr val="tx1"/>
+              </a:solidFill>
+              <a:headEnd type="none" w="med" len="med"/>
+              <a:tailEnd type="arrow" w="med" len="med"/>
+            </a:ln>
+          </p:spPr>
+          <p:style>
+            <a:lnRef idx="2">
+              <a:schemeClr val="accent1">
+                <a:shade val="50000"/>
+              </a:schemeClr>
+            </a:lnRef>
+            <a:fillRef idx="1">
+              <a:schemeClr val="accent1"/>
+            </a:fillRef>
+            <a:effectRef idx="0">
+              <a:schemeClr val="accent1"/>
+            </a:effectRef>
+            <a:fontRef idx="minor">
+              <a:schemeClr val="lt1"/>
+            </a:fontRef>
+          </p:style>
+          <p:txBody>
+            <a:bodyPr rtlCol="0" anchor="ctr"/>
+            <a:lstStyle/>
+            <a:p>
+              <a:pPr algn="ctr"/>
+              <a:endParaRPr lang="en-US"/>
+            </a:p>
+          </p:txBody>
+        </p:sp>
+        <p:sp>
+          <p:nvSpPr>
+            <p:cNvPr id="45" name="Freeform 44">
+              <a:extLst>
+                <a:ext uri="{FF2B5EF4-FFF2-40B4-BE49-F238E27FC236}">
+                  <a16:creationId xmlns:a16="http://schemas.microsoft.com/office/drawing/2014/main" id="{737A33E4-2ECC-5B46-913B-5C82EAACF966}"/>
+                </a:ext>
+              </a:extLst>
+            </p:cNvPr>
+            <p:cNvSpPr/>
+            <p:nvPr/>
+          </p:nvSpPr>
+          <p:spPr>
+            <a:xfrm>
+              <a:off x="1689903" y="3603248"/>
+              <a:ext cx="472612" cy="318499"/>
+            </a:xfrm>
+            <a:custGeom>
+              <a:avLst/>
+              <a:gdLst>
+                <a:gd name="connsiteX0" fmla="*/ 0 w 472612"/>
+                <a:gd name="connsiteY0" fmla="*/ 0 h 318499"/>
+                <a:gd name="connsiteX1" fmla="*/ 277403 w 472612"/>
+                <a:gd name="connsiteY1" fmla="*/ 113016 h 318499"/>
+                <a:gd name="connsiteX2" fmla="*/ 472612 w 472612"/>
+                <a:gd name="connsiteY2" fmla="*/ 318499 h 318499"/>
+              </a:gdLst>
+              <a:ahLst/>
+              <a:cxnLst>
+                <a:cxn ang="0">
+                  <a:pos x="connsiteX0" y="connsiteY0"/>
+                </a:cxn>
+                <a:cxn ang="0">
+                  <a:pos x="connsiteX1" y="connsiteY1"/>
+                </a:cxn>
+                <a:cxn ang="0">
+                  <a:pos x="connsiteX2" y="connsiteY2"/>
+                </a:cxn>
+              </a:cxnLst>
+              <a:rect l="l" t="t" r="r" b="b"/>
+              <a:pathLst>
+                <a:path w="472612" h="318499">
+                  <a:moveTo>
+                    <a:pt x="0" y="0"/>
+                  </a:moveTo>
+                  <a:cubicBezTo>
+                    <a:pt x="99317" y="29966"/>
+                    <a:pt x="198634" y="59933"/>
+                    <a:pt x="277403" y="113016"/>
+                  </a:cubicBezTo>
+                  <a:cubicBezTo>
+                    <a:pt x="356172" y="166099"/>
+                    <a:pt x="414392" y="242299"/>
+                    <a:pt x="472612" y="318499"/>
+                  </a:cubicBezTo>
+                </a:path>
+              </a:pathLst>
+            </a:custGeom>
+            <a:noFill/>
+            <a:ln w="9525">
+              <a:solidFill>
+                <a:schemeClr val="tx1"/>
+              </a:solidFill>
+              <a:headEnd type="none" w="med" len="med"/>
+              <a:tailEnd type="arrow" w="med" len="med"/>
+            </a:ln>
+          </p:spPr>
+          <p:style>
+            <a:lnRef idx="2">
+              <a:schemeClr val="accent1">
+                <a:shade val="50000"/>
+              </a:schemeClr>
+            </a:lnRef>
+            <a:fillRef idx="1">
+              <a:schemeClr val="accent1"/>
+            </a:fillRef>
+            <a:effectRef idx="0">
+              <a:schemeClr val="accent1"/>
+            </a:effectRef>
+            <a:fontRef idx="minor">
+              <a:schemeClr val="lt1"/>
+            </a:fontRef>
+          </p:style>
+          <p:txBody>
+            <a:bodyPr rtlCol="0" anchor="ctr"/>
+            <a:lstStyle/>
+            <a:p>
+              <a:pPr algn="ctr"/>
+              <a:endParaRPr lang="en-US"/>
+            </a:p>
+          </p:txBody>
+        </p:sp>
+        <p:sp>
+          <p:nvSpPr>
+            <p:cNvPr id="46" name="TextBox 45">
+              <a:extLst>
+                <a:ext uri="{FF2B5EF4-FFF2-40B4-BE49-F238E27FC236}">
+                  <a16:creationId xmlns:a16="http://schemas.microsoft.com/office/drawing/2014/main" id="{E04965DB-8ABA-C544-A3F8-2FFC29C2D28A}"/>
+                </a:ext>
+              </a:extLst>
+            </p:cNvPr>
+            <p:cNvSpPr txBox="1"/>
+            <p:nvPr/>
+          </p:nvSpPr>
+          <p:spPr>
+            <a:xfrm>
+              <a:off x="1885109" y="3420445"/>
+              <a:ext cx="462338" cy="261610"/>
+            </a:xfrm>
+            <a:prstGeom prst="rect">
+              <a:avLst/>
+            </a:prstGeom>
+            <a:noFill/>
+          </p:spPr>
+          <p:txBody>
+            <a:bodyPr wrap="square" rtlCol="0">
+              <a:spAutoFit/>
+            </a:bodyPr>
+            <a:lstStyle/>
+            <a:p>
+              <a:r>
+                <a:rPr lang="en-US" sz="1100" dirty="0" err="1">
+                  <a:latin typeface="Symbol" pitchFamily="2" charset="2"/>
+                </a:rPr>
+                <a:t>q</a:t>
+              </a:r>
+              <a:r>
+                <a:rPr lang="en-US" sz="1100" baseline="-25000" dirty="0" err="1">
+                  <a:latin typeface="Calibri" panose="020F0502020204030204" pitchFamily="34" charset="0"/>
+                  <a:cs typeface="Calibri" panose="020F0502020204030204" pitchFamily="34" charset="0"/>
+                </a:rPr>
+                <a:t>s</a:t>
+              </a:r>
+              <a:endParaRPr lang="en-US" sz="1100" baseline="-25000" dirty="0">
+                <a:latin typeface="Calibri" panose="020F0502020204030204" pitchFamily="34" charset="0"/>
+                <a:cs typeface="Calibri" panose="020F0502020204030204" pitchFamily="34" charset="0"/>
+              </a:endParaRPr>
+            </a:p>
+          </p:txBody>
+        </p:sp>
+        <p:sp>
+          <p:nvSpPr>
+            <p:cNvPr id="47" name="TextBox 46">
+              <a:extLst>
+                <a:ext uri="{FF2B5EF4-FFF2-40B4-BE49-F238E27FC236}">
+                  <a16:creationId xmlns:a16="http://schemas.microsoft.com/office/drawing/2014/main" id="{FA5E9AF6-F185-7D48-98AF-BC446825694D}"/>
+                </a:ext>
+              </a:extLst>
+            </p:cNvPr>
+            <p:cNvSpPr txBox="1"/>
+            <p:nvPr/>
+          </p:nvSpPr>
+          <p:spPr>
+            <a:xfrm>
+              <a:off x="1525512" y="4696836"/>
+              <a:ext cx="462338" cy="261610"/>
+            </a:xfrm>
+            <a:prstGeom prst="rect">
+              <a:avLst/>
+            </a:prstGeom>
+            <a:noFill/>
+          </p:spPr>
+          <p:txBody>
+            <a:bodyPr wrap="square" rtlCol="0">
+              <a:spAutoFit/>
+            </a:bodyPr>
+            <a:lstStyle/>
+            <a:p>
+              <a:r>
+                <a:rPr lang="en-US" sz="1100" dirty="0">
+                  <a:latin typeface="Symbol" pitchFamily="2" charset="2"/>
+                </a:rPr>
+                <a:t>f</a:t>
+              </a:r>
+              <a:r>
+                <a:rPr lang="en-US" sz="1100" baseline="-25000" dirty="0">
+                  <a:latin typeface="Calibri" panose="020F0502020204030204" pitchFamily="34" charset="0"/>
+                  <a:cs typeface="Calibri" panose="020F0502020204030204" pitchFamily="34" charset="0"/>
+                </a:rPr>
+                <a:t>s</a:t>
+              </a:r>
+            </a:p>
+          </p:txBody>
+        </p:sp>
+        <p:sp>
+          <p:nvSpPr>
+            <p:cNvPr id="74" name="TextBox 73">
+              <a:extLst>
+                <a:ext uri="{FF2B5EF4-FFF2-40B4-BE49-F238E27FC236}">
+                  <a16:creationId xmlns:a16="http://schemas.microsoft.com/office/drawing/2014/main" id="{FD66DD81-63EF-3749-9A91-60D6A2A98B7D}"/>
+                </a:ext>
+              </a:extLst>
+            </p:cNvPr>
+            <p:cNvSpPr txBox="1"/>
+            <p:nvPr/>
+          </p:nvSpPr>
+          <p:spPr>
+            <a:xfrm>
+              <a:off x="854356" y="4755579"/>
+              <a:ext cx="129366" cy="276999"/>
+            </a:xfrm>
+            <a:prstGeom prst="rect">
+              <a:avLst/>
+            </a:prstGeom>
+            <a:noFill/>
+          </p:spPr>
+          <p:txBody>
+            <a:bodyPr wrap="square" rtlCol="0">
+              <a:spAutoFit/>
+            </a:bodyPr>
+            <a:lstStyle/>
+            <a:p>
+              <a:r>
+                <a:rPr lang="en-US" sz="1200" dirty="0"/>
+                <a:t>x</a:t>
+              </a:r>
+            </a:p>
+          </p:txBody>
+        </p:sp>
+        <p:sp>
+          <p:nvSpPr>
+            <p:cNvPr id="75" name="TextBox 74">
+              <a:extLst>
+                <a:ext uri="{FF2B5EF4-FFF2-40B4-BE49-F238E27FC236}">
+                  <a16:creationId xmlns:a16="http://schemas.microsoft.com/office/drawing/2014/main" id="{760F7AB0-2424-A04C-9EA4-2E5E56DD92AA}"/>
+                </a:ext>
+              </a:extLst>
+            </p:cNvPr>
+            <p:cNvSpPr txBox="1"/>
+            <p:nvPr/>
+          </p:nvSpPr>
+          <p:spPr>
+            <a:xfrm>
+              <a:off x="2453097" y="4137213"/>
+              <a:ext cx="129366" cy="276999"/>
+            </a:xfrm>
+            <a:prstGeom prst="rect">
+              <a:avLst/>
+            </a:prstGeom>
+            <a:noFill/>
+          </p:spPr>
+          <p:txBody>
+            <a:bodyPr wrap="square" rtlCol="0">
+              <a:spAutoFit/>
+            </a:bodyPr>
+            <a:lstStyle/>
+            <a:p>
+              <a:r>
+                <a:rPr lang="en-US" sz="1200" dirty="0"/>
+                <a:t>y</a:t>
+              </a:r>
+            </a:p>
+          </p:txBody>
+        </p:sp>
+        <p:sp>
+          <p:nvSpPr>
+            <p:cNvPr id="76" name="TextBox 75">
+              <a:extLst>
+                <a:ext uri="{FF2B5EF4-FFF2-40B4-BE49-F238E27FC236}">
+                  <a16:creationId xmlns:a16="http://schemas.microsoft.com/office/drawing/2014/main" id="{5ED8CD92-C181-F64A-B712-AFA550F373A6}"/>
+                </a:ext>
+              </a:extLst>
+            </p:cNvPr>
+            <p:cNvSpPr txBox="1"/>
+            <p:nvPr/>
+          </p:nvSpPr>
+          <p:spPr>
+            <a:xfrm>
+              <a:off x="1591815" y="2793426"/>
+              <a:ext cx="129366" cy="276999"/>
+            </a:xfrm>
+            <a:prstGeom prst="rect">
+              <a:avLst/>
+            </a:prstGeom>
+            <a:noFill/>
+          </p:spPr>
+          <p:txBody>
+            <a:bodyPr wrap="square" rtlCol="0">
+              <a:spAutoFit/>
+            </a:bodyPr>
+            <a:lstStyle/>
+            <a:p>
+              <a:r>
+                <a:rPr lang="en-US" sz="1200" dirty="0"/>
+                <a:t>z</a:t>
+              </a:r>
+            </a:p>
+          </p:txBody>
+        </p:sp>
+        <p:grpSp>
+          <p:nvGrpSpPr>
+            <p:cNvPr id="95" name="Group 94">
+              <a:extLst>
+                <a:ext uri="{FF2B5EF4-FFF2-40B4-BE49-F238E27FC236}">
+                  <a16:creationId xmlns:a16="http://schemas.microsoft.com/office/drawing/2014/main" id="{AF91DA8A-476A-DC42-B7C9-1AB845EA820C}"/>
+                </a:ext>
+              </a:extLst>
+            </p:cNvPr>
+            <p:cNvGrpSpPr/>
+            <p:nvPr/>
+          </p:nvGrpSpPr>
+          <p:grpSpPr>
+            <a:xfrm rot="8784942">
+              <a:off x="3903470" y="2316160"/>
+              <a:ext cx="655151" cy="368302"/>
+              <a:chOff x="5988972" y="1785940"/>
+              <a:chExt cx="677073" cy="456630"/>
+            </a:xfrm>
+          </p:grpSpPr>
+          <p:cxnSp>
+            <p:nvCxnSpPr>
+              <p:cNvPr id="84" name="Straight Connector 83">
+                <a:extLst>
+                  <a:ext uri="{FF2B5EF4-FFF2-40B4-BE49-F238E27FC236}">
+                    <a16:creationId xmlns:a16="http://schemas.microsoft.com/office/drawing/2014/main" id="{DE646027-6FAF-A94A-8E35-C2FFC8E564D2}"/>
+                  </a:ext>
+                </a:extLst>
+              </p:cNvPr>
+              <p:cNvCxnSpPr>
+                <a:cxnSpLocks/>
+              </p:cNvCxnSpPr>
+              <p:nvPr/>
+            </p:nvCxnSpPr>
+            <p:spPr>
+              <a:xfrm flipH="1">
+                <a:off x="5988972" y="2020614"/>
+                <a:ext cx="376927" cy="0"/>
+              </a:xfrm>
+              <a:prstGeom prst="line">
+                <a:avLst/>
+              </a:prstGeom>
+              <a:ln>
+                <a:solidFill>
+                  <a:schemeClr val="tx1"/>
+                </a:solidFill>
+              </a:ln>
+            </p:spPr>
+            <p:style>
+              <a:lnRef idx="1">
+                <a:schemeClr val="accent1"/>
+              </a:lnRef>
+              <a:fillRef idx="0">
+                <a:schemeClr val="accent1"/>
+              </a:fillRef>
+              <a:effectRef idx="0">
+                <a:schemeClr val="accent1"/>
+              </a:effectRef>
+              <a:fontRef idx="minor">
+                <a:schemeClr val="tx1"/>
+              </a:fontRef>
+            </p:style>
+          </p:cxnSp>
+          <p:cxnSp>
+            <p:nvCxnSpPr>
+              <p:cNvPr id="85" name="Straight Connector 84">
+                <a:extLst>
+                  <a:ext uri="{FF2B5EF4-FFF2-40B4-BE49-F238E27FC236}">
+                    <a16:creationId xmlns:a16="http://schemas.microsoft.com/office/drawing/2014/main" id="{2301CEA8-4515-8D46-9B3A-D2CD9150BF95}"/>
+                  </a:ext>
+                </a:extLst>
+              </p:cNvPr>
+              <p:cNvCxnSpPr>
+                <a:cxnSpLocks/>
+              </p:cNvCxnSpPr>
+              <p:nvPr/>
+            </p:nvCxnSpPr>
+            <p:spPr>
+              <a:xfrm flipH="1" flipV="1">
+                <a:off x="6365899" y="2020614"/>
+                <a:ext cx="300146" cy="221956"/>
+              </a:xfrm>
+              <a:prstGeom prst="line">
+                <a:avLst/>
+              </a:prstGeom>
+              <a:ln>
+                <a:solidFill>
+                  <a:schemeClr val="tx1"/>
+                </a:solidFill>
+              </a:ln>
+            </p:spPr>
+            <p:style>
+              <a:lnRef idx="1">
+                <a:schemeClr val="accent1"/>
+              </a:lnRef>
+              <a:fillRef idx="0">
+                <a:schemeClr val="accent1"/>
+              </a:fillRef>
+              <a:effectRef idx="0">
+                <a:schemeClr val="accent1"/>
+              </a:effectRef>
+              <a:fontRef idx="minor">
+                <a:schemeClr val="tx1"/>
+              </a:fontRef>
+            </p:style>
+          </p:cxnSp>
+          <p:cxnSp>
+            <p:nvCxnSpPr>
+              <p:cNvPr id="87" name="Straight Connector 86">
+                <a:extLst>
+                  <a:ext uri="{FF2B5EF4-FFF2-40B4-BE49-F238E27FC236}">
+                    <a16:creationId xmlns:a16="http://schemas.microsoft.com/office/drawing/2014/main" id="{05DA0DCB-9A22-1149-91A4-0963BE2A196B}"/>
+                  </a:ext>
+                </a:extLst>
+              </p:cNvPr>
+              <p:cNvCxnSpPr>
+                <a:cxnSpLocks/>
+              </p:cNvCxnSpPr>
+              <p:nvPr/>
+            </p:nvCxnSpPr>
+            <p:spPr>
+              <a:xfrm flipH="1">
+                <a:off x="6365899" y="1785940"/>
+                <a:ext cx="300146" cy="229303"/>
+              </a:xfrm>
+              <a:prstGeom prst="line">
+                <a:avLst/>
+              </a:prstGeom>
+              <a:ln>
+                <a:solidFill>
+                  <a:schemeClr val="tx1"/>
+                </a:solidFill>
+              </a:ln>
+            </p:spPr>
+            <p:style>
+              <a:lnRef idx="1">
+                <a:schemeClr val="accent1"/>
+              </a:lnRef>
+              <a:fillRef idx="0">
+                <a:schemeClr val="accent1"/>
+              </a:fillRef>
+              <a:effectRef idx="0">
+                <a:schemeClr val="accent1"/>
+              </a:effectRef>
+              <a:fontRef idx="minor">
+                <a:schemeClr val="tx1"/>
+              </a:fontRef>
+            </p:style>
+          </p:cxnSp>
+        </p:grpSp>
+        <p:cxnSp>
+          <p:nvCxnSpPr>
+            <p:cNvPr id="97" name="Straight Connector 96">
+              <a:extLst>
+                <a:ext uri="{FF2B5EF4-FFF2-40B4-BE49-F238E27FC236}">
+                  <a16:creationId xmlns:a16="http://schemas.microsoft.com/office/drawing/2014/main" id="{EC952270-AD1A-FA49-A6AE-EC555B46D8F4}"/>
+                </a:ext>
+              </a:extLst>
+            </p:cNvPr>
+            <p:cNvCxnSpPr>
+              <a:cxnSpLocks/>
+            </p:cNvCxnSpPr>
+            <p:nvPr/>
+          </p:nvCxnSpPr>
+          <p:spPr>
+            <a:xfrm flipV="1">
+              <a:off x="3076548" y="2711332"/>
+              <a:ext cx="816579" cy="577509"/>
+            </a:xfrm>
+            <a:prstGeom prst="line">
+              <a:avLst/>
+            </a:prstGeom>
+            <a:ln>
+              <a:solidFill>
+                <a:schemeClr val="tx1"/>
+              </a:solidFill>
+              <a:prstDash val="dash"/>
+              <a:headEnd type="none" w="med" len="med"/>
+              <a:tailEnd type="arrow" w="med" len="med"/>
+            </a:ln>
+          </p:spPr>
+          <p:style>
+            <a:lnRef idx="1">
+              <a:schemeClr val="accent1"/>
+            </a:lnRef>
+            <a:fillRef idx="0">
+              <a:schemeClr val="accent1"/>
+            </a:fillRef>
+            <a:effectRef idx="0">
+              <a:schemeClr val="accent1"/>
+            </a:effectRef>
+            <a:fontRef idx="minor">
+              <a:schemeClr val="tx1"/>
+            </a:fontRef>
+          </p:style>
+        </p:cxnSp>
+        <p:grpSp>
+          <p:nvGrpSpPr>
+            <p:cNvPr id="115" name="Group 114">
+              <a:extLst>
+                <a:ext uri="{FF2B5EF4-FFF2-40B4-BE49-F238E27FC236}">
+                  <a16:creationId xmlns:a16="http://schemas.microsoft.com/office/drawing/2014/main" id="{2BE1C8F0-1AD5-EA42-A551-D53A914BCE0F}"/>
+                </a:ext>
+              </a:extLst>
+            </p:cNvPr>
+            <p:cNvGrpSpPr/>
+            <p:nvPr/>
+          </p:nvGrpSpPr>
+          <p:grpSpPr>
+            <a:xfrm>
+              <a:off x="2910632" y="2730509"/>
+              <a:ext cx="1064477" cy="1349389"/>
+              <a:chOff x="3338867" y="2661063"/>
+              <a:chExt cx="663063" cy="897052"/>
+            </a:xfrm>
+          </p:grpSpPr>
+          <p:cxnSp>
+            <p:nvCxnSpPr>
+              <p:cNvPr id="55" name="Straight Arrow Connector 54">
+                <a:extLst>
+                  <a:ext uri="{FF2B5EF4-FFF2-40B4-BE49-F238E27FC236}">
+                    <a16:creationId xmlns:a16="http://schemas.microsoft.com/office/drawing/2014/main" id="{81941685-4F9E-674A-873C-06F5C9343293}"/>
+                  </a:ext>
+                </a:extLst>
+              </p:cNvPr>
+              <p:cNvCxnSpPr>
+                <a:cxnSpLocks/>
+              </p:cNvCxnSpPr>
+              <p:nvPr/>
+            </p:nvCxnSpPr>
+            <p:spPr>
+              <a:xfrm>
+                <a:off x="3451132" y="3042443"/>
+                <a:ext cx="160063" cy="287811"/>
+              </a:xfrm>
+              <a:prstGeom prst="straightConnector1">
+                <a:avLst/>
+              </a:prstGeom>
+              <a:ln>
+                <a:solidFill>
+                  <a:schemeClr val="tx1"/>
+                </a:solidFill>
+                <a:tailEnd type="triangle"/>
+              </a:ln>
+            </p:spPr>
+            <p:style>
+              <a:lnRef idx="1">
+                <a:schemeClr val="accent1"/>
+              </a:lnRef>
+              <a:fillRef idx="0">
+                <a:schemeClr val="accent1"/>
+              </a:fillRef>
+              <a:effectRef idx="0">
+                <a:schemeClr val="accent1"/>
+              </a:effectRef>
+              <a:fontRef idx="minor">
+                <a:schemeClr val="tx1"/>
+              </a:fontRef>
+            </p:style>
+          </p:cxnSp>
+          <p:cxnSp>
+            <p:nvCxnSpPr>
+              <p:cNvPr id="56" name="Straight Arrow Connector 55">
+                <a:extLst>
+                  <a:ext uri="{FF2B5EF4-FFF2-40B4-BE49-F238E27FC236}">
+                    <a16:creationId xmlns:a16="http://schemas.microsoft.com/office/drawing/2014/main" id="{34FAE172-E78D-D849-A376-D4944EB1D451}"/>
+                  </a:ext>
+                </a:extLst>
+              </p:cNvPr>
+              <p:cNvCxnSpPr>
+                <a:cxnSpLocks/>
+              </p:cNvCxnSpPr>
+              <p:nvPr/>
+            </p:nvCxnSpPr>
+            <p:spPr>
+              <a:xfrm flipV="1">
+                <a:off x="3451905" y="2873617"/>
+                <a:ext cx="287509" cy="155256"/>
+              </a:xfrm>
+              <a:prstGeom prst="straightConnector1">
+                <a:avLst/>
+              </a:prstGeom>
+              <a:ln>
+                <a:solidFill>
+                  <a:schemeClr val="tx1"/>
+                </a:solidFill>
+                <a:tailEnd type="triangle"/>
+              </a:ln>
+            </p:spPr>
+            <p:style>
+              <a:lnRef idx="1">
+                <a:schemeClr val="accent1"/>
+              </a:lnRef>
+              <a:fillRef idx="0">
+                <a:schemeClr val="accent1"/>
+              </a:fillRef>
+              <a:effectRef idx="0">
+                <a:schemeClr val="accent1"/>
+              </a:effectRef>
+              <a:fontRef idx="minor">
+                <a:schemeClr val="tx1"/>
+              </a:fontRef>
+            </p:style>
+          </p:cxnSp>
+          <p:sp>
+            <p:nvSpPr>
+              <p:cNvPr id="61" name="TextBox 60">
+                <a:extLst>
+                  <a:ext uri="{FF2B5EF4-FFF2-40B4-BE49-F238E27FC236}">
+                    <a16:creationId xmlns:a16="http://schemas.microsoft.com/office/drawing/2014/main" id="{47505016-B753-2744-8128-8EE0453BEA11}"/>
+                  </a:ext>
+                </a:extLst>
+              </p:cNvPr>
+              <p:cNvSpPr txBox="1"/>
+              <p:nvPr/>
+            </p:nvSpPr>
+            <p:spPr>
+              <a:xfrm>
+                <a:off x="3572015" y="3102717"/>
+                <a:ext cx="281854" cy="173914"/>
+              </a:xfrm>
+              <a:prstGeom prst="rect">
+                <a:avLst/>
+              </a:prstGeom>
+              <a:noFill/>
+            </p:spPr>
+            <p:txBody>
+              <a:bodyPr wrap="square" rtlCol="0">
+                <a:spAutoFit/>
+              </a:bodyPr>
+              <a:lstStyle/>
+              <a:p>
+                <a:r>
+                  <a:rPr lang="en-US" sz="1100" dirty="0">
+                    <a:latin typeface="Symbol" pitchFamily="2" charset="2"/>
+                  </a:rPr>
+                  <a:t>b</a:t>
+                </a:r>
+                <a:r>
+                  <a:rPr lang="en-US" sz="1100" baseline="-25000" dirty="0">
+                    <a:latin typeface="Calibri" panose="020F0502020204030204" pitchFamily="34" charset="0"/>
+                    <a:cs typeface="Calibri" panose="020F0502020204030204" pitchFamily="34" charset="0"/>
+                  </a:rPr>
+                  <a:t>s</a:t>
+                </a:r>
+              </a:p>
+            </p:txBody>
+          </p:sp>
+          <p:cxnSp>
+            <p:nvCxnSpPr>
+              <p:cNvPr id="63" name="Straight Arrow Connector 62">
+                <a:extLst>
+                  <a:ext uri="{FF2B5EF4-FFF2-40B4-BE49-F238E27FC236}">
+                    <a16:creationId xmlns:a16="http://schemas.microsoft.com/office/drawing/2014/main" id="{977DD14C-B131-414C-9593-AFDF979D17BB}"/>
+                  </a:ext>
+                </a:extLst>
+              </p:cNvPr>
+              <p:cNvCxnSpPr>
+                <a:cxnSpLocks/>
+              </p:cNvCxnSpPr>
+              <p:nvPr/>
+            </p:nvCxnSpPr>
+            <p:spPr>
+              <a:xfrm>
+                <a:off x="3452909" y="3029138"/>
+                <a:ext cx="278794" cy="11186"/>
+              </a:xfrm>
+              <a:prstGeom prst="straightConnector1">
+                <a:avLst/>
+              </a:prstGeom>
+              <a:ln>
+                <a:solidFill>
+                  <a:schemeClr val="tx1"/>
+                </a:solidFill>
+                <a:headEnd type="none" w="med" len="med"/>
+                <a:tailEnd type="arrow" w="med" len="med"/>
+              </a:ln>
+            </p:spPr>
+            <p:style>
+              <a:lnRef idx="1">
+                <a:schemeClr val="accent1"/>
+              </a:lnRef>
+              <a:fillRef idx="0">
+                <a:schemeClr val="accent1"/>
+              </a:fillRef>
+              <a:effectRef idx="0">
+                <a:schemeClr val="accent1"/>
+              </a:effectRef>
+              <a:fontRef idx="minor">
+                <a:schemeClr val="tx1"/>
+              </a:fontRef>
+            </p:style>
+          </p:cxnSp>
+          <p:cxnSp>
+            <p:nvCxnSpPr>
+              <p:cNvPr id="65" name="Straight Arrow Connector 64">
+                <a:extLst>
+                  <a:ext uri="{FF2B5EF4-FFF2-40B4-BE49-F238E27FC236}">
+                    <a16:creationId xmlns:a16="http://schemas.microsoft.com/office/drawing/2014/main" id="{C0B48C69-56F8-0140-B344-5D8B82574A8C}"/>
+                  </a:ext>
+                </a:extLst>
+              </p:cNvPr>
+              <p:cNvCxnSpPr>
+                <a:cxnSpLocks/>
+              </p:cNvCxnSpPr>
+              <p:nvPr/>
+            </p:nvCxnSpPr>
+            <p:spPr>
+              <a:xfrm flipH="1" flipV="1">
+                <a:off x="3338867" y="2722873"/>
+                <a:ext cx="105328" cy="301489"/>
+              </a:xfrm>
+              <a:prstGeom prst="straightConnector1">
+                <a:avLst/>
+              </a:prstGeom>
+              <a:ln>
+                <a:solidFill>
+                  <a:schemeClr val="tx1"/>
+                </a:solidFill>
+                <a:headEnd type="none" w="med" len="med"/>
+                <a:tailEnd type="arrow" w="med" len="med"/>
+              </a:ln>
+            </p:spPr>
+            <p:style>
+              <a:lnRef idx="1">
+                <a:schemeClr val="accent1"/>
+              </a:lnRef>
+              <a:fillRef idx="0">
+                <a:schemeClr val="accent1"/>
+              </a:fillRef>
+              <a:effectRef idx="0">
+                <a:schemeClr val="accent1"/>
+              </a:effectRef>
+              <a:fontRef idx="minor">
+                <a:schemeClr val="tx1"/>
+              </a:fontRef>
+            </p:style>
+          </p:cxnSp>
+          <p:sp>
+            <p:nvSpPr>
+              <p:cNvPr id="71" name="TextBox 70">
+                <a:extLst>
+                  <a:ext uri="{FF2B5EF4-FFF2-40B4-BE49-F238E27FC236}">
+                    <a16:creationId xmlns:a16="http://schemas.microsoft.com/office/drawing/2014/main" id="{3C91DE50-F9B6-1140-8F86-C31720EA0DB5}"/>
+                  </a:ext>
+                </a:extLst>
+              </p:cNvPr>
+              <p:cNvSpPr txBox="1"/>
+              <p:nvPr/>
+            </p:nvSpPr>
+            <p:spPr>
+              <a:xfrm>
+                <a:off x="3454886" y="2661063"/>
+                <a:ext cx="462338" cy="261610"/>
+              </a:xfrm>
+              <a:prstGeom prst="rect">
+                <a:avLst/>
+              </a:prstGeom>
+              <a:noFill/>
+            </p:spPr>
+            <p:txBody>
+              <a:bodyPr wrap="square" rtlCol="0">
+                <a:spAutoFit/>
+              </a:bodyPr>
+              <a:lstStyle/>
+              <a:p>
+                <a:r>
+                  <a:rPr lang="en-US" sz="1100" dirty="0">
+                    <a:latin typeface="Symbol" pitchFamily="2" charset="2"/>
+                  </a:rPr>
+                  <a:t>b</a:t>
+                </a:r>
+                <a:r>
+                  <a:rPr lang="en-US" sz="1100" baseline="-25000" dirty="0">
+                    <a:latin typeface="Calibri" panose="020F0502020204030204" pitchFamily="34" charset="0"/>
+                    <a:cs typeface="Calibri" panose="020F0502020204030204" pitchFamily="34" charset="0"/>
+                  </a:rPr>
+                  <a:t>i</a:t>
+                </a:r>
+              </a:p>
+            </p:txBody>
+          </p:sp>
+          <mc:AlternateContent xmlns:mc="http://schemas.openxmlformats.org/markup-compatibility/2006">
+            <mc:Choice xmlns:a14="http://schemas.microsoft.com/office/drawing/2010/main" Requires="a14">
+              <p:sp>
+                <p:nvSpPr>
+                  <p:cNvPr id="72" name="TextBox 71">
+                    <a:extLst>
+                      <a:ext uri="{FF2B5EF4-FFF2-40B4-BE49-F238E27FC236}">
+                        <a16:creationId xmlns:a16="http://schemas.microsoft.com/office/drawing/2014/main" id="{5693391D-ED98-8147-8DAD-D96F76B90C88}"/>
+                      </a:ext>
+                    </a:extLst>
+                  </p:cNvPr>
+                  <p:cNvSpPr txBox="1"/>
+                  <p:nvPr/>
+                </p:nvSpPr>
+                <p:spPr>
+                  <a:xfrm>
+                    <a:off x="3539592" y="2782233"/>
+                    <a:ext cx="462338" cy="268728"/>
+                  </a:xfrm>
+                  <a:prstGeom prst="rect">
+                    <a:avLst/>
+                  </a:prstGeom>
+                  <a:noFill/>
+                </p:spPr>
+                <p:txBody>
+                  <a:bodyPr wrap="square" rtlCol="0">
+                    <a:spAutoFit/>
+                  </a:bodyPr>
+                  <a:lstStyle/>
+                  <a:p>
+                    <a14:m>
+                      <m:oMathPara xmlns:m="http://schemas.openxmlformats.org/officeDocument/2006/math">
+                        <m:oMathParaPr>
+                          <m:jc m:val="centerGroup"/>
+                        </m:oMathParaPr>
+                        <m:oMath xmlns:m="http://schemas.openxmlformats.org/officeDocument/2006/math">
+                          <m:acc>
+                            <m:accPr>
+                              <m:chr m:val="̂"/>
+                              <m:ctrlPr>
+                                <a:rPr lang="en-US" sz="1100" b="0" i="1" smtClean="0">
+                                  <a:latin typeface="Cambria Math" panose="02040503050406030204" pitchFamily="18" charset="0"/>
+                                  <a:ea typeface="Cambria Math" panose="02040503050406030204" pitchFamily="18" charset="0"/>
+                                </a:rPr>
+                              </m:ctrlPr>
+                            </m:accPr>
+                            <m:e>
+                              <m:r>
+                                <a:rPr lang="en-US" sz="1100" i="1">
+                                  <a:latin typeface="Cambria Math" panose="02040503050406030204" pitchFamily="18" charset="0"/>
+                                  <a:ea typeface="Cambria Math" panose="02040503050406030204" pitchFamily="18" charset="0"/>
+                                </a:rPr>
+                                <m:t>𝜙</m:t>
+                              </m:r>
+                            </m:e>
+                          </m:acc>
+                        </m:oMath>
+                      </m:oMathPara>
+                    </a14:m>
+                    <a:endParaRPr lang="en-US" sz="1100" baseline="-25000" dirty="0">
+                      <a:latin typeface="Symbol" pitchFamily="2" charset="2"/>
+                      <a:cs typeface="Calibri" panose="020F0502020204030204" pitchFamily="34" charset="0"/>
+                    </a:endParaRPr>
+                  </a:p>
+                </p:txBody>
+              </p:sp>
+            </mc:Choice>
+            <mc:Fallback>
+              <p:sp>
+                <p:nvSpPr>
+                  <p:cNvPr id="72" name="TextBox 71">
+                    <a:extLst>
+                      <a:ext uri="{FF2B5EF4-FFF2-40B4-BE49-F238E27FC236}">
+                        <a16:creationId xmlns:a16="http://schemas.microsoft.com/office/drawing/2014/main" id="{5693391D-ED98-8147-8DAD-D96F76B90C88}"/>
+                      </a:ext>
+                    </a:extLst>
+                  </p:cNvPr>
+                  <p:cNvSpPr txBox="1">
+                    <a:spLocks noRot="1" noChangeAspect="1" noMove="1" noResize="1" noEditPoints="1" noAdjustHandles="1" noChangeArrowheads="1" noChangeShapeType="1" noTextEdit="1"/>
+                  </p:cNvSpPr>
+                  <p:nvPr/>
+                </p:nvSpPr>
+                <p:spPr>
+                  <a:xfrm>
+                    <a:off x="3539592" y="2782233"/>
+                    <a:ext cx="462338" cy="268728"/>
+                  </a:xfrm>
+                  <a:prstGeom prst="rect">
+                    <a:avLst/>
+                  </a:prstGeom>
+                  <a:blipFill>
+                    <a:blip r:embed="rId2"/>
+                    <a:stretch>
+                      <a:fillRect/>
+                    </a:stretch>
+                  </a:blipFill>
+                </p:spPr>
+                <p:txBody>
+                  <a:bodyPr/>
+                  <a:lstStyle/>
+                  <a:p>
+                    <a:r>
+                      <a:rPr lang="en-US">
+                        <a:noFill/>
+                      </a:rPr>
+                      <a:t> </a:t>
+                    </a:r>
+                  </a:p>
+                </p:txBody>
+              </p:sp>
+            </mc:Fallback>
+          </mc:AlternateContent>
+          <mc:AlternateContent xmlns:mc="http://schemas.openxmlformats.org/markup-compatibility/2006">
+            <mc:Choice xmlns:a14="http://schemas.microsoft.com/office/drawing/2010/main" Requires="a14">
+              <p:sp>
+                <p:nvSpPr>
+                  <p:cNvPr id="82" name="TextBox 81">
+                    <a:extLst>
+                      <a:ext uri="{FF2B5EF4-FFF2-40B4-BE49-F238E27FC236}">
+                        <a16:creationId xmlns:a16="http://schemas.microsoft.com/office/drawing/2014/main" id="{4C6399E6-6EC7-2849-BAA0-3504D85AF5A3}"/>
+                      </a:ext>
+                    </a:extLst>
+                  </p:cNvPr>
+                  <p:cNvSpPr txBox="1"/>
+                  <p:nvPr/>
+                </p:nvSpPr>
+                <p:spPr>
+                  <a:xfrm>
+                    <a:off x="3391531" y="3289387"/>
+                    <a:ext cx="462338" cy="268728"/>
+                  </a:xfrm>
+                  <a:prstGeom prst="rect">
+                    <a:avLst/>
+                  </a:prstGeom>
+                  <a:noFill/>
+                </p:spPr>
+                <p:txBody>
+                  <a:bodyPr wrap="square" rtlCol="0">
+                    <a:spAutoFit/>
+                  </a:bodyPr>
+                  <a:lstStyle/>
+                  <a:p>
+                    <a14:m>
+                      <m:oMathPara xmlns:m="http://schemas.openxmlformats.org/officeDocument/2006/math">
+                        <m:oMathParaPr>
+                          <m:jc m:val="centerGroup"/>
+                        </m:oMathParaPr>
+                        <m:oMath xmlns:m="http://schemas.openxmlformats.org/officeDocument/2006/math">
+                          <m:acc>
+                            <m:accPr>
+                              <m:chr m:val="̂"/>
+                              <m:ctrlPr>
+                                <a:rPr lang="en-US" sz="1100" b="0" i="1" smtClean="0">
+                                  <a:latin typeface="Cambria Math" panose="02040503050406030204" pitchFamily="18" charset="0"/>
+                                  <a:ea typeface="Cambria Math" panose="02040503050406030204" pitchFamily="18" charset="0"/>
+                                </a:rPr>
+                              </m:ctrlPr>
+                            </m:accPr>
+                            <m:e>
+                              <m:r>
+                                <a:rPr lang="en-US" sz="1100" i="1">
+                                  <a:latin typeface="Cambria Math" panose="02040503050406030204" pitchFamily="18" charset="0"/>
+                                  <a:ea typeface="Cambria Math" panose="02040503050406030204" pitchFamily="18" charset="0"/>
+                                </a:rPr>
+                                <m:t>𝜃</m:t>
+                              </m:r>
+                            </m:e>
+                          </m:acc>
+                        </m:oMath>
+                      </m:oMathPara>
+                    </a14:m>
+                    <a:endParaRPr lang="en-US" sz="1100" baseline="-25000" dirty="0">
+                      <a:latin typeface="Symbol" pitchFamily="2" charset="2"/>
+                      <a:cs typeface="Calibri" panose="020F0502020204030204" pitchFamily="34" charset="0"/>
+                    </a:endParaRPr>
+                  </a:p>
+                </p:txBody>
+              </p:sp>
+            </mc:Choice>
+            <mc:Fallback>
+              <p:sp>
+                <p:nvSpPr>
+                  <p:cNvPr id="82" name="TextBox 81">
+                    <a:extLst>
+                      <a:ext uri="{FF2B5EF4-FFF2-40B4-BE49-F238E27FC236}">
+                        <a16:creationId xmlns:a16="http://schemas.microsoft.com/office/drawing/2014/main" id="{4C6399E6-6EC7-2849-BAA0-3504D85AF5A3}"/>
+                      </a:ext>
+                    </a:extLst>
+                  </p:cNvPr>
+                  <p:cNvSpPr txBox="1">
+                    <a:spLocks noRot="1" noChangeAspect="1" noMove="1" noResize="1" noEditPoints="1" noAdjustHandles="1" noChangeArrowheads="1" noChangeShapeType="1" noTextEdit="1"/>
+                  </p:cNvSpPr>
+                  <p:nvPr/>
+                </p:nvSpPr>
+                <p:spPr>
+                  <a:xfrm>
+                    <a:off x="3391531" y="3289387"/>
+                    <a:ext cx="462338" cy="268728"/>
+                  </a:xfrm>
+                  <a:prstGeom prst="rect">
+                    <a:avLst/>
+                  </a:prstGeom>
+                  <a:blipFill>
+                    <a:blip r:embed="rId3"/>
+                    <a:stretch>
+                      <a:fillRect/>
+                    </a:stretch>
+                  </a:blipFill>
+                </p:spPr>
+                <p:txBody>
+                  <a:bodyPr/>
+                  <a:lstStyle/>
+                  <a:p>
+                    <a:r>
+                      <a:rPr lang="en-US">
+                        <a:noFill/>
+                      </a:rPr>
+                      <a:t> </a:t>
+                    </a:r>
+                  </a:p>
+                </p:txBody>
+              </p:sp>
+            </mc:Fallback>
+          </mc:AlternateContent>
+        </p:grpSp>
+        <p:sp>
+          <p:nvSpPr>
+            <p:cNvPr id="130" name="Freeform 129">
+              <a:extLst>
+                <a:ext uri="{FF2B5EF4-FFF2-40B4-BE49-F238E27FC236}">
+                  <a16:creationId xmlns:a16="http://schemas.microsoft.com/office/drawing/2014/main" id="{389BEB29-BF79-7C4A-8122-C8A8FD146AF7}"/>
+                </a:ext>
+              </a:extLst>
+            </p:cNvPr>
+            <p:cNvSpPr/>
+            <p:nvPr/>
+          </p:nvSpPr>
+          <p:spPr>
+            <a:xfrm>
+              <a:off x="3228092" y="3301164"/>
+              <a:ext cx="167524" cy="202425"/>
+            </a:xfrm>
+            <a:custGeom>
+              <a:avLst/>
+              <a:gdLst>
+                <a:gd name="connsiteX0" fmla="*/ 0 w 167524"/>
+                <a:gd name="connsiteY0" fmla="*/ 202425 h 202425"/>
+                <a:gd name="connsiteX1" fmla="*/ 125643 w 167524"/>
+                <a:gd name="connsiteY1" fmla="*/ 111683 h 202425"/>
+                <a:gd name="connsiteX2" fmla="*/ 167524 w 167524"/>
+                <a:gd name="connsiteY2" fmla="*/ 0 h 202425"/>
+              </a:gdLst>
+              <a:ahLst/>
+              <a:cxnLst>
+                <a:cxn ang="0">
+                  <a:pos x="connsiteX0" y="connsiteY0"/>
+                </a:cxn>
+                <a:cxn ang="0">
+                  <a:pos x="connsiteX1" y="connsiteY1"/>
+                </a:cxn>
+                <a:cxn ang="0">
+                  <a:pos x="connsiteX2" y="connsiteY2"/>
+                </a:cxn>
+              </a:cxnLst>
+              <a:rect l="l" t="t" r="r" b="b"/>
+              <a:pathLst>
+                <a:path w="167524" h="202425">
+                  <a:moveTo>
+                    <a:pt x="0" y="202425"/>
+                  </a:moveTo>
+                  <a:cubicBezTo>
+                    <a:pt x="48861" y="173922"/>
+                    <a:pt x="97722" y="145420"/>
+                    <a:pt x="125643" y="111683"/>
+                  </a:cubicBezTo>
+                  <a:cubicBezTo>
+                    <a:pt x="153564" y="77946"/>
+                    <a:pt x="160544" y="38973"/>
+                    <a:pt x="167524" y="0"/>
+                  </a:cubicBezTo>
+                </a:path>
+              </a:pathLst>
+            </a:custGeom>
+            <a:noFill/>
+            <a:ln w="9525">
+              <a:solidFill>
+                <a:schemeClr val="tx1"/>
+              </a:solidFill>
+              <a:headEnd type="none" w="med" len="med"/>
+              <a:tailEnd type="arrow" w="med" len="med"/>
+            </a:ln>
+          </p:spPr>
+          <p:style>
+            <a:lnRef idx="2">
+              <a:schemeClr val="accent1">
+                <a:shade val="50000"/>
+              </a:schemeClr>
+            </a:lnRef>
+            <a:fillRef idx="1">
+              <a:schemeClr val="accent1"/>
+            </a:fillRef>
+            <a:effectRef idx="0">
+              <a:schemeClr val="accent1"/>
+            </a:effectRef>
+            <a:fontRef idx="minor">
+              <a:schemeClr val="lt1"/>
+            </a:fontRef>
+          </p:style>
+          <p:txBody>
+            <a:bodyPr rtlCol="0" anchor="ctr"/>
+            <a:lstStyle/>
+            <a:p>
+              <a:pPr algn="ctr"/>
+              <a:endParaRPr lang="en-US"/>
+            </a:p>
+          </p:txBody>
+        </p:sp>
+        <p:sp>
+          <p:nvSpPr>
+            <p:cNvPr id="131" name="Freeform 130">
+              <a:extLst>
+                <a:ext uri="{FF2B5EF4-FFF2-40B4-BE49-F238E27FC236}">
+                  <a16:creationId xmlns:a16="http://schemas.microsoft.com/office/drawing/2014/main" id="{524D0297-12D4-F24B-AA57-A324E6EC9A0D}"/>
+                </a:ext>
+              </a:extLst>
+            </p:cNvPr>
+            <p:cNvSpPr/>
+            <p:nvPr/>
+          </p:nvSpPr>
+          <p:spPr>
+            <a:xfrm>
+              <a:off x="2968868" y="2993422"/>
+              <a:ext cx="361667" cy="454118"/>
+            </a:xfrm>
+            <a:custGeom>
+              <a:avLst/>
+              <a:gdLst>
+                <a:gd name="connsiteX0" fmla="*/ 223365 w 361667"/>
+                <a:gd name="connsiteY0" fmla="*/ 454118 h 454118"/>
+                <a:gd name="connsiteX1" fmla="*/ 314107 w 361667"/>
+                <a:gd name="connsiteY1" fmla="*/ 377336 h 454118"/>
+                <a:gd name="connsiteX2" fmla="*/ 355988 w 361667"/>
+                <a:gd name="connsiteY2" fmla="*/ 293575 h 454118"/>
+                <a:gd name="connsiteX3" fmla="*/ 355988 w 361667"/>
+                <a:gd name="connsiteY3" fmla="*/ 181892 h 454118"/>
+                <a:gd name="connsiteX4" fmla="*/ 307127 w 361667"/>
+                <a:gd name="connsiteY4" fmla="*/ 84170 h 454118"/>
+                <a:gd name="connsiteX5" fmla="*/ 160544 w 361667"/>
+                <a:gd name="connsiteY5" fmla="*/ 7388 h 454118"/>
+                <a:gd name="connsiteX6" fmla="*/ 0 w 361667"/>
+                <a:gd name="connsiteY6" fmla="*/ 7388 h 454118"/>
+              </a:gdLst>
+              <a:ahLst/>
+              <a:cxnLst>
+                <a:cxn ang="0">
+                  <a:pos x="connsiteX0" y="connsiteY0"/>
+                </a:cxn>
+                <a:cxn ang="0">
+                  <a:pos x="connsiteX1" y="connsiteY1"/>
+                </a:cxn>
+                <a:cxn ang="0">
+                  <a:pos x="connsiteX2" y="connsiteY2"/>
+                </a:cxn>
+                <a:cxn ang="0">
+                  <a:pos x="connsiteX3" y="connsiteY3"/>
+                </a:cxn>
+                <a:cxn ang="0">
+                  <a:pos x="connsiteX4" y="connsiteY4"/>
+                </a:cxn>
+                <a:cxn ang="0">
+                  <a:pos x="connsiteX5" y="connsiteY5"/>
+                </a:cxn>
+                <a:cxn ang="0">
+                  <a:pos x="connsiteX6" y="connsiteY6"/>
+                </a:cxn>
+              </a:cxnLst>
+              <a:rect l="l" t="t" r="r" b="b"/>
+              <a:pathLst>
+                <a:path w="361667" h="454118">
+                  <a:moveTo>
+                    <a:pt x="223365" y="454118"/>
+                  </a:moveTo>
+                  <a:cubicBezTo>
+                    <a:pt x="257684" y="429105"/>
+                    <a:pt x="292003" y="404093"/>
+                    <a:pt x="314107" y="377336"/>
+                  </a:cubicBezTo>
+                  <a:cubicBezTo>
+                    <a:pt x="336211" y="350579"/>
+                    <a:pt x="349008" y="326149"/>
+                    <a:pt x="355988" y="293575"/>
+                  </a:cubicBezTo>
+                  <a:cubicBezTo>
+                    <a:pt x="362968" y="261001"/>
+                    <a:pt x="364132" y="216793"/>
+                    <a:pt x="355988" y="181892"/>
+                  </a:cubicBezTo>
+                  <a:cubicBezTo>
+                    <a:pt x="347845" y="146991"/>
+                    <a:pt x="339701" y="113254"/>
+                    <a:pt x="307127" y="84170"/>
+                  </a:cubicBezTo>
+                  <a:cubicBezTo>
+                    <a:pt x="274553" y="55086"/>
+                    <a:pt x="211732" y="20185"/>
+                    <a:pt x="160544" y="7388"/>
+                  </a:cubicBezTo>
+                  <a:cubicBezTo>
+                    <a:pt x="109356" y="-5409"/>
+                    <a:pt x="54678" y="989"/>
+                    <a:pt x="0" y="7388"/>
+                  </a:cubicBezTo>
+                </a:path>
+              </a:pathLst>
+            </a:custGeom>
+            <a:noFill/>
+            <a:ln w="9525">
+              <a:solidFill>
+                <a:schemeClr val="tx1"/>
+              </a:solidFill>
+              <a:headEnd type="none" w="med" len="med"/>
+              <a:tailEnd type="arrow" w="med" len="med"/>
+            </a:ln>
+          </p:spPr>
+          <p:style>
+            <a:lnRef idx="2">
+              <a:schemeClr val="accent1">
+                <a:shade val="50000"/>
+              </a:schemeClr>
+            </a:lnRef>
+            <a:fillRef idx="1">
+              <a:schemeClr val="accent1"/>
+            </a:fillRef>
+            <a:effectRef idx="0">
+              <a:schemeClr val="accent1"/>
+            </a:effectRef>
+            <a:fontRef idx="minor">
+              <a:schemeClr val="lt1"/>
+            </a:fontRef>
+          </p:style>
+          <p:txBody>
+            <a:bodyPr rtlCol="0" anchor="ctr"/>
+            <a:lstStyle/>
+            <a:p>
+              <a:pPr algn="ctr"/>
+              <a:endParaRPr lang="en-US"/>
+            </a:p>
+          </p:txBody>
+        </p:sp>
+      </p:grpSp>
+    </p:spTree>
+    <p:extLst>
+      <p:ext uri="{BB962C8B-B14F-4D97-AF65-F5344CB8AC3E}">
+        <p14:creationId xmlns:p14="http://schemas.microsoft.com/office/powerpoint/2010/main" val="4275093066"/>
+      </p:ext>
+    </p:extLst>
+  </p:cSld>
+  <p:clrMapOvr>
+    <a:masterClrMapping/>
+  </p:clrMapOvr>
+</p:sld>
+</file>
+
 <file path=ppt/theme/theme1.xml><?xml version="1.0" encoding="utf-8"?>
 <a:theme xmlns:a="http://schemas.openxmlformats.org/drawingml/2006/main" name="Office Theme">
   <a:themeElements>
